--- a/VoterRank.pptx
+++ b/VoterRank.pptx
@@ -6,14 +6,17 @@
   </p:sldMasterIdLst>
   <p:sldIdLst>
     <p:sldId id="256" r:id="rId2"/>
-    <p:sldId id="257" r:id="rId3"/>
-    <p:sldId id="260" r:id="rId4"/>
-    <p:sldId id="259" r:id="rId5"/>
-    <p:sldId id="266" r:id="rId6"/>
-    <p:sldId id="267" r:id="rId7"/>
-    <p:sldId id="268" r:id="rId8"/>
-    <p:sldId id="258" r:id="rId9"/>
-    <p:sldId id="261" r:id="rId10"/>
+    <p:sldId id="269" r:id="rId3"/>
+    <p:sldId id="270" r:id="rId4"/>
+    <p:sldId id="257" r:id="rId5"/>
+    <p:sldId id="260" r:id="rId6"/>
+    <p:sldId id="259" r:id="rId7"/>
+    <p:sldId id="266" r:id="rId8"/>
+    <p:sldId id="267" r:id="rId9"/>
+    <p:sldId id="268" r:id="rId10"/>
+    <p:sldId id="258" r:id="rId11"/>
+    <p:sldId id="271" r:id="rId12"/>
+    <p:sldId id="261" r:id="rId13"/>
   </p:sldIdLst>
   <p:sldSz cx="12192000" cy="6858000"/>
   <p:notesSz cx="6858000" cy="9144000"/>
@@ -451,7 +454,7 @@
           <a:p>
             <a:fld id="{ABD9B190-95C9-41B4-88C3-F2CD52791C4A}" type="datetimeFigureOut">
               <a:rPr lang="en-US" smtClean="0"/>
-              <a:t>11/2/2020</a:t>
+              <a:t>11/4/2020</a:t>
             </a:fld>
             <a:endParaRPr lang="en-US"/>
           </a:p>
@@ -775,7 +778,7 @@
           <a:p>
             <a:fld id="{ABD9B190-95C9-41B4-88C3-F2CD52791C4A}" type="datetimeFigureOut">
               <a:rPr lang="en-US" smtClean="0"/>
-              <a:t>11/2/2020</a:t>
+              <a:t>11/4/2020</a:t>
             </a:fld>
             <a:endParaRPr lang="en-US"/>
           </a:p>
@@ -1023,7 +1026,7 @@
           <a:p>
             <a:fld id="{ABD9B190-95C9-41B4-88C3-F2CD52791C4A}" type="datetimeFigureOut">
               <a:rPr lang="en-US" smtClean="0"/>
-              <a:t>11/2/2020</a:t>
+              <a:t>11/4/2020</a:t>
             </a:fld>
             <a:endParaRPr lang="en-US"/>
           </a:p>
@@ -1362,7 +1365,7 @@
           <a:p>
             <a:fld id="{ABD9B190-95C9-41B4-88C3-F2CD52791C4A}" type="datetimeFigureOut">
               <a:rPr lang="en-US" smtClean="0"/>
-              <a:t>11/2/2020</a:t>
+              <a:t>11/4/2020</a:t>
             </a:fld>
             <a:endParaRPr lang="en-US"/>
           </a:p>
@@ -1709,7 +1712,7 @@
           <a:p>
             <a:fld id="{ABD9B190-95C9-41B4-88C3-F2CD52791C4A}" type="datetimeFigureOut">
               <a:rPr lang="en-US" smtClean="0"/>
-              <a:t>11/2/2020</a:t>
+              <a:t>11/4/2020</a:t>
             </a:fld>
             <a:endParaRPr lang="en-US"/>
           </a:p>
@@ -2083,7 +2086,7 @@
           <a:p>
             <a:fld id="{ABD9B190-95C9-41B4-88C3-F2CD52791C4A}" type="datetimeFigureOut">
               <a:rPr lang="en-US" smtClean="0"/>
-              <a:t>11/2/2020</a:t>
+              <a:t>11/4/2020</a:t>
             </a:fld>
             <a:endParaRPr lang="en-US"/>
           </a:p>
@@ -2553,7 +2556,7 @@
           <a:p>
             <a:fld id="{ABD9B190-95C9-41B4-88C3-F2CD52791C4A}" type="datetimeFigureOut">
               <a:rPr lang="en-US" smtClean="0"/>
-              <a:t>11/2/2020</a:t>
+              <a:t>11/4/2020</a:t>
             </a:fld>
             <a:endParaRPr lang="en-US"/>
           </a:p>
@@ -2758,7 +2761,7 @@
           <a:p>
             <a:fld id="{ABD9B190-95C9-41B4-88C3-F2CD52791C4A}" type="datetimeFigureOut">
               <a:rPr lang="en-US" smtClean="0"/>
-              <a:t>11/2/2020</a:t>
+              <a:t>11/4/2020</a:t>
             </a:fld>
             <a:endParaRPr lang="en-US"/>
           </a:p>
@@ -2969,7 +2972,7 @@
           <a:p>
             <a:fld id="{ABD9B190-95C9-41B4-88C3-F2CD52791C4A}" type="datetimeFigureOut">
               <a:rPr lang="en-US" smtClean="0"/>
-              <a:t>11/2/2020</a:t>
+              <a:t>11/4/2020</a:t>
             </a:fld>
             <a:endParaRPr lang="en-US"/>
           </a:p>
@@ -3201,7 +3204,7 @@
           <a:p>
             <a:fld id="{ABD9B190-95C9-41B4-88C3-F2CD52791C4A}" type="datetimeFigureOut">
               <a:rPr lang="en-US" smtClean="0"/>
-              <a:t>11/2/2020</a:t>
+              <a:t>11/4/2020</a:t>
             </a:fld>
             <a:endParaRPr lang="en-US"/>
           </a:p>
@@ -3449,7 +3452,7 @@
           <a:p>
             <a:fld id="{ABD9B190-95C9-41B4-88C3-F2CD52791C4A}" type="datetimeFigureOut">
               <a:rPr lang="en-US" smtClean="0"/>
-              <a:t>11/2/2020</a:t>
+              <a:t>11/4/2020</a:t>
             </a:fld>
             <a:endParaRPr lang="en-US"/>
           </a:p>
@@ -3747,7 +3750,7 @@
           <a:p>
             <a:fld id="{ABD9B190-95C9-41B4-88C3-F2CD52791C4A}" type="datetimeFigureOut">
               <a:rPr lang="en-US" smtClean="0"/>
-              <a:t>11/2/2020</a:t>
+              <a:t>11/4/2020</a:t>
             </a:fld>
             <a:endParaRPr lang="en-US"/>
           </a:p>
@@ -4141,7 +4144,7 @@
           <a:p>
             <a:fld id="{ABD9B190-95C9-41B4-88C3-F2CD52791C4A}" type="datetimeFigureOut">
               <a:rPr lang="en-US" smtClean="0"/>
-              <a:t>11/2/2020</a:t>
+              <a:t>11/4/2020</a:t>
             </a:fld>
             <a:endParaRPr lang="en-US"/>
           </a:p>
@@ -4290,7 +4293,7 @@
           <a:p>
             <a:fld id="{ABD9B190-95C9-41B4-88C3-F2CD52791C4A}" type="datetimeFigureOut">
               <a:rPr lang="en-US" smtClean="0"/>
-              <a:t>11/2/2020</a:t>
+              <a:t>11/4/2020</a:t>
             </a:fld>
             <a:endParaRPr lang="en-US"/>
           </a:p>
@@ -4416,7 +4419,7 @@
           <a:p>
             <a:fld id="{ABD9B190-95C9-41B4-88C3-F2CD52791C4A}" type="datetimeFigureOut">
               <a:rPr lang="en-US" smtClean="0"/>
-              <a:t>11/2/2020</a:t>
+              <a:t>11/4/2020</a:t>
             </a:fld>
             <a:endParaRPr lang="en-US"/>
           </a:p>
@@ -4671,7 +4674,7 @@
           <a:p>
             <a:fld id="{ABD9B190-95C9-41B4-88C3-F2CD52791C4A}" type="datetimeFigureOut">
               <a:rPr lang="en-US" smtClean="0"/>
-              <a:t>11/2/2020</a:t>
+              <a:t>11/4/2020</a:t>
             </a:fld>
             <a:endParaRPr lang="en-US"/>
           </a:p>
@@ -4986,7 +4989,7 @@
           <a:p>
             <a:fld id="{ABD9B190-95C9-41B4-88C3-F2CD52791C4A}" type="datetimeFigureOut">
               <a:rPr lang="en-US" smtClean="0"/>
-              <a:t>11/2/2020</a:t>
+              <a:t>11/4/2020</a:t>
             </a:fld>
             <a:endParaRPr lang="en-US"/>
           </a:p>
@@ -5337,7 +5340,7 @@
           <a:p>
             <a:fld id="{ABD9B190-95C9-41B4-88C3-F2CD52791C4A}" type="datetimeFigureOut">
               <a:rPr lang="en-US" smtClean="0"/>
-              <a:t>11/2/2020</a:t>
+              <a:t>11/4/2020</a:t>
             </a:fld>
             <a:endParaRPr lang="en-US"/>
           </a:p>
@@ -5949,6 +5952,303 @@
 </p:sld>
 </file>
 
+<file path=ppt/slides/slide10.xml><?xml version="1.0" encoding="utf-8"?>
+<p:sld xmlns:a="http://schemas.openxmlformats.org/drawingml/2006/main" xmlns:r="http://schemas.openxmlformats.org/officeDocument/2006/relationships" xmlns:p="http://schemas.openxmlformats.org/presentationml/2006/main">
+  <p:cSld>
+    <p:spTree>
+      <p:nvGrpSpPr>
+        <p:cNvPr id="1" name=""/>
+        <p:cNvGrpSpPr/>
+        <p:nvPr/>
+      </p:nvGrpSpPr>
+      <p:grpSpPr>
+        <a:xfrm>
+          <a:off x="0" y="0"/>
+          <a:ext cx="0" cy="0"/>
+          <a:chOff x="0" y="0"/>
+          <a:chExt cx="0" cy="0"/>
+        </a:xfrm>
+      </p:grpSpPr>
+      <p:sp>
+        <p:nvSpPr>
+          <p:cNvPr id="2" name="Title 1">
+            <a:extLst>
+              <a:ext uri="{FF2B5EF4-FFF2-40B4-BE49-F238E27FC236}">
+                <a16:creationId xmlns:a16="http://schemas.microsoft.com/office/drawing/2014/main" id="{7EF12B0B-DD3D-4006-A1BA-E5A908A05CB6}"/>
+              </a:ext>
+            </a:extLst>
+          </p:cNvPr>
+          <p:cNvSpPr>
+            <a:spLocks noGrp="1"/>
+          </p:cNvSpPr>
+          <p:nvPr>
+            <p:ph type="title"/>
+          </p:nvPr>
+        </p:nvSpPr>
+        <p:spPr>
+          <a:xfrm>
+            <a:off x="1295402" y="982132"/>
+            <a:ext cx="9601196" cy="45719"/>
+          </a:xfrm>
+        </p:spPr>
+        <p:txBody>
+          <a:bodyPr>
+            <a:normAutofit fontScale="90000"/>
+          </a:bodyPr>
+          <a:lstStyle/>
+          <a:p>
+            <a:r>
+              <a:rPr lang="en-US" dirty="0"/>
+              <a:t>ER Diagram</a:t>
+            </a:r>
+          </a:p>
+        </p:txBody>
+      </p:sp>
+      <p:pic>
+        <p:nvPicPr>
+          <p:cNvPr id="5" name="Content Placeholder 4">
+            <a:extLst>
+              <a:ext uri="{FF2B5EF4-FFF2-40B4-BE49-F238E27FC236}">
+                <a16:creationId xmlns:a16="http://schemas.microsoft.com/office/drawing/2014/main" id="{4C0BA1DD-BBAD-4642-8164-99B87BA28FC6}"/>
+              </a:ext>
+            </a:extLst>
+          </p:cNvPr>
+          <p:cNvPicPr>
+            <a:picLocks noGrp="1" noChangeAspect="1"/>
+          </p:cNvPicPr>
+          <p:nvPr>
+            <p:ph idx="1"/>
+          </p:nvPr>
+        </p:nvPicPr>
+        <p:blipFill>
+          <a:blip r:embed="rId2">
+            <a:extLst>
+              <a:ext uri="{28A0092B-C50C-407E-A947-70E740481C1C}">
+                <a14:useLocalDpi xmlns:a14="http://schemas.microsoft.com/office/drawing/2010/main" val="0"/>
+              </a:ext>
+            </a:extLst>
+          </a:blip>
+          <a:stretch>
+            <a:fillRect/>
+          </a:stretch>
+        </p:blipFill>
+        <p:spPr>
+          <a:xfrm>
+            <a:off x="1504608" y="1242753"/>
+            <a:ext cx="9601196" cy="4633116"/>
+          </a:xfrm>
+        </p:spPr>
+      </p:pic>
+    </p:spTree>
+    <p:extLst>
+      <p:ext uri="{BB962C8B-B14F-4D97-AF65-F5344CB8AC3E}">
+        <p14:creationId xmlns:p14="http://schemas.microsoft.com/office/powerpoint/2010/main" val="208249591"/>
+      </p:ext>
+    </p:extLst>
+  </p:cSld>
+  <p:clrMapOvr>
+    <a:masterClrMapping/>
+  </p:clrMapOvr>
+</p:sld>
+</file>
+
+<file path=ppt/slides/slide11.xml><?xml version="1.0" encoding="utf-8"?>
+<p:sld xmlns:a="http://schemas.openxmlformats.org/drawingml/2006/main" xmlns:r="http://schemas.openxmlformats.org/officeDocument/2006/relationships" xmlns:p="http://schemas.openxmlformats.org/presentationml/2006/main">
+  <p:cSld>
+    <p:spTree>
+      <p:nvGrpSpPr>
+        <p:cNvPr id="1" name=""/>
+        <p:cNvGrpSpPr/>
+        <p:nvPr/>
+      </p:nvGrpSpPr>
+      <p:grpSpPr>
+        <a:xfrm>
+          <a:off x="0" y="0"/>
+          <a:ext cx="0" cy="0"/>
+          <a:chOff x="0" y="0"/>
+          <a:chExt cx="0" cy="0"/>
+        </a:xfrm>
+      </p:grpSpPr>
+      <p:sp>
+        <p:nvSpPr>
+          <p:cNvPr id="2" name="Title 1">
+            <a:extLst>
+              <a:ext uri="{FF2B5EF4-FFF2-40B4-BE49-F238E27FC236}">
+                <a16:creationId xmlns:a16="http://schemas.microsoft.com/office/drawing/2014/main" id="{A5D4793E-D9EC-4653-8BFA-72197D6F99F6}"/>
+              </a:ext>
+            </a:extLst>
+          </p:cNvPr>
+          <p:cNvSpPr>
+            <a:spLocks noGrp="1"/>
+          </p:cNvSpPr>
+          <p:nvPr>
+            <p:ph type="title"/>
+          </p:nvPr>
+        </p:nvSpPr>
+        <p:spPr>
+          <a:xfrm>
+            <a:off x="1295402" y="982132"/>
+            <a:ext cx="9601196" cy="45719"/>
+          </a:xfrm>
+        </p:spPr>
+        <p:txBody>
+          <a:bodyPr>
+            <a:normAutofit fontScale="90000"/>
+          </a:bodyPr>
+          <a:lstStyle/>
+          <a:p>
+            <a:r>
+              <a:rPr lang="en-US" dirty="0"/>
+              <a:t>Kanban Board via GitHub</a:t>
+            </a:r>
+          </a:p>
+        </p:txBody>
+      </p:sp>
+      <p:pic>
+        <p:nvPicPr>
+          <p:cNvPr id="5" name="Content Placeholder 4">
+            <a:extLst>
+              <a:ext uri="{FF2B5EF4-FFF2-40B4-BE49-F238E27FC236}">
+                <a16:creationId xmlns:a16="http://schemas.microsoft.com/office/drawing/2014/main" id="{36ACB767-D3A5-4C89-8B6C-C7FE4F5D08C7}"/>
+              </a:ext>
+            </a:extLst>
+          </p:cNvPr>
+          <p:cNvPicPr>
+            <a:picLocks noGrp="1" noChangeAspect="1"/>
+          </p:cNvPicPr>
+          <p:nvPr>
+            <p:ph idx="1"/>
+          </p:nvPr>
+        </p:nvPicPr>
+        <p:blipFill>
+          <a:blip r:embed="rId2">
+            <a:extLst>
+              <a:ext uri="{28A0092B-C50C-407E-A947-70E740481C1C}">
+                <a14:useLocalDpi xmlns:a14="http://schemas.microsoft.com/office/drawing/2010/main" val="0"/>
+              </a:ext>
+            </a:extLst>
+          </a:blip>
+          <a:stretch>
+            <a:fillRect/>
+          </a:stretch>
+        </p:blipFill>
+        <p:spPr>
+          <a:xfrm>
+            <a:off x="598515" y="1188720"/>
+            <a:ext cx="11205557" cy="5669280"/>
+          </a:xfrm>
+        </p:spPr>
+      </p:pic>
+    </p:spTree>
+    <p:extLst>
+      <p:ext uri="{BB962C8B-B14F-4D97-AF65-F5344CB8AC3E}">
+        <p14:creationId xmlns:p14="http://schemas.microsoft.com/office/powerpoint/2010/main" val="3846700348"/>
+      </p:ext>
+    </p:extLst>
+  </p:cSld>
+  <p:clrMapOvr>
+    <a:masterClrMapping/>
+  </p:clrMapOvr>
+</p:sld>
+</file>
+
+<file path=ppt/slides/slide12.xml><?xml version="1.0" encoding="utf-8"?>
+<p:sld xmlns:a="http://schemas.openxmlformats.org/drawingml/2006/main" xmlns:r="http://schemas.openxmlformats.org/officeDocument/2006/relationships" xmlns:p="http://schemas.openxmlformats.org/presentationml/2006/main">
+  <p:cSld>
+    <p:spTree>
+      <p:nvGrpSpPr>
+        <p:cNvPr id="1" name=""/>
+        <p:cNvGrpSpPr/>
+        <p:nvPr/>
+      </p:nvGrpSpPr>
+      <p:grpSpPr>
+        <a:xfrm>
+          <a:off x="0" y="0"/>
+          <a:ext cx="0" cy="0"/>
+          <a:chOff x="0" y="0"/>
+          <a:chExt cx="0" cy="0"/>
+        </a:xfrm>
+      </p:grpSpPr>
+      <p:sp>
+        <p:nvSpPr>
+          <p:cNvPr id="2" name="Title 1">
+            <a:extLst>
+              <a:ext uri="{FF2B5EF4-FFF2-40B4-BE49-F238E27FC236}">
+                <a16:creationId xmlns:a16="http://schemas.microsoft.com/office/drawing/2014/main" id="{EA673022-FA7A-4B2F-AD1D-EA8EA7D3E01E}"/>
+              </a:ext>
+            </a:extLst>
+          </p:cNvPr>
+          <p:cNvSpPr>
+            <a:spLocks noGrp="1"/>
+          </p:cNvSpPr>
+          <p:nvPr>
+            <p:ph type="title"/>
+          </p:nvPr>
+        </p:nvSpPr>
+        <p:spPr>
+          <a:xfrm>
+            <a:off x="1046020" y="982132"/>
+            <a:ext cx="9601196" cy="1303867"/>
+          </a:xfrm>
+        </p:spPr>
+        <p:txBody>
+          <a:bodyPr/>
+          <a:lstStyle/>
+          <a:p>
+            <a:r>
+              <a:rPr lang="en-US" dirty="0"/>
+              <a:t>Demo of ASP.net</a:t>
+            </a:r>
+          </a:p>
+        </p:txBody>
+      </p:sp>
+      <p:sp>
+        <p:nvSpPr>
+          <p:cNvPr id="3" name="Content Placeholder 2">
+            <a:extLst>
+              <a:ext uri="{FF2B5EF4-FFF2-40B4-BE49-F238E27FC236}">
+                <a16:creationId xmlns:a16="http://schemas.microsoft.com/office/drawing/2014/main" id="{845874FC-E7F4-496B-BE9F-792706518F32}"/>
+              </a:ext>
+            </a:extLst>
+          </p:cNvPr>
+          <p:cNvSpPr>
+            <a:spLocks noGrp="1"/>
+          </p:cNvSpPr>
+          <p:nvPr>
+            <p:ph idx="1"/>
+          </p:nvPr>
+        </p:nvSpPr>
+        <p:spPr/>
+        <p:txBody>
+          <a:bodyPr/>
+          <a:lstStyle/>
+          <a:p>
+            <a:r>
+              <a:rPr lang="en-US" dirty="0">
+                <a:hlinkClick r:id="rId2"/>
+              </a:rPr>
+              <a:t>https://localhost:44350/</a:t>
+            </a:r>
+            <a:r>
+              <a:rPr lang="en-US" dirty="0"/>
+              <a:t> </a:t>
+            </a:r>
+          </a:p>
+        </p:txBody>
+      </p:sp>
+    </p:spTree>
+    <p:extLst>
+      <p:ext uri="{BB962C8B-B14F-4D97-AF65-F5344CB8AC3E}">
+        <p14:creationId xmlns:p14="http://schemas.microsoft.com/office/powerpoint/2010/main" val="993281779"/>
+      </p:ext>
+    </p:extLst>
+  </p:cSld>
+  <p:clrMapOvr>
+    <a:masterClrMapping/>
+  </p:clrMapOvr>
+</p:sld>
+</file>
+
 <file path=ppt/slides/slide2.xml><?xml version="1.0" encoding="utf-8"?>
 <p:sld xmlns:a="http://schemas.openxmlformats.org/drawingml/2006/main" xmlns:r="http://schemas.openxmlformats.org/officeDocument/2006/relationships" xmlns:p="http://schemas.openxmlformats.org/presentationml/2006/main">
   <p:cSld>
@@ -5971,7 +6271,7 @@
           <p:cNvPr id="2" name="Title 1">
             <a:extLst>
               <a:ext uri="{FF2B5EF4-FFF2-40B4-BE49-F238E27FC236}">
-                <a16:creationId xmlns:a16="http://schemas.microsoft.com/office/drawing/2014/main" id="{EA673022-FA7A-4B2F-AD1D-EA8EA7D3E01E}"/>
+                <a16:creationId xmlns:a16="http://schemas.microsoft.com/office/drawing/2014/main" id="{A3A70091-1BEB-443F-A306-F3E35F7DEF64}"/>
               </a:ext>
             </a:extLst>
           </p:cNvPr>
@@ -5989,7 +6289,7 @@
           <a:p>
             <a:r>
               <a:rPr lang="en-US" dirty="0"/>
-              <a:t>Initial Needs</a:t>
+              <a:t>Idea</a:t>
             </a:r>
           </a:p>
         </p:txBody>
@@ -5999,7 +6299,7 @@
           <p:cNvPr id="3" name="Content Placeholder 2">
             <a:extLst>
               <a:ext uri="{FF2B5EF4-FFF2-40B4-BE49-F238E27FC236}">
-                <a16:creationId xmlns:a16="http://schemas.microsoft.com/office/drawing/2014/main" id="{845874FC-E7F4-496B-BE9F-792706518F32}"/>
+                <a16:creationId xmlns:a16="http://schemas.microsoft.com/office/drawing/2014/main" id="{338CCB72-D21E-4FA3-B271-4B1774E1CE7D}"/>
               </a:ext>
             </a:extLst>
           </p:cNvPr>
@@ -6012,35 +6312,22 @@
         </p:nvSpPr>
         <p:spPr/>
         <p:txBody>
-          <a:bodyPr/>
+          <a:bodyPr>
+            <a:normAutofit lnSpcReduction="10000"/>
+          </a:bodyPr>
           <a:lstStyle/>
           <a:p>
             <a:r>
               <a:rPr lang="en-US" dirty="0"/>
-              <a:t>Create an interface that will allow you to view registration status.</a:t>
-            </a:r>
-          </a:p>
-          <a:p>
-            <a:r>
-              <a:rPr lang="en-US" dirty="0"/>
-              <a:t>Create a site that will allow you to register to vote.</a:t>
-            </a:r>
-          </a:p>
-          <a:p>
-            <a:r>
-              <a:rPr lang="en-US" dirty="0"/>
-              <a:t>Create a site that will allow you to check the status.</a:t>
-            </a:r>
-          </a:p>
-          <a:p>
-            <a:endParaRPr lang="en-US" dirty="0"/>
+              <a:t>A ranked-choice voting system (RCV) is an electoral system in which voters rank candidates by preference on their ballots. If a candidate wins a majority of first-preference votes, he or she is declared the winner. If no candidate wins a majority of first-preference votes, the candidate with the fewest first-preference votes is eliminated. First-preference votes cast for the failed candidate are eliminated, lifting the second-preference choices indicated on those ballots. A new tally is conducted to determine whether any candidate has won a majority of the adjusted votes. The process is repeated until a candidate wins an outright majority.</a:t>
+            </a:r>
           </a:p>
         </p:txBody>
       </p:sp>
     </p:spTree>
     <p:extLst>
       <p:ext uri="{BB962C8B-B14F-4D97-AF65-F5344CB8AC3E}">
-        <p14:creationId xmlns:p14="http://schemas.microsoft.com/office/powerpoint/2010/main" val="3512059146"/>
+        <p14:creationId xmlns:p14="http://schemas.microsoft.com/office/powerpoint/2010/main" val="1731877545"/>
       </p:ext>
     </p:extLst>
   </p:cSld>
@@ -6072,7 +6359,7 @@
           <p:cNvPr id="2" name="Title 1">
             <a:extLst>
               <a:ext uri="{FF2B5EF4-FFF2-40B4-BE49-F238E27FC236}">
-                <a16:creationId xmlns:a16="http://schemas.microsoft.com/office/drawing/2014/main" id="{029E8995-A258-4FC6-9B6B-DB0B0766710E}"/>
+                <a16:creationId xmlns:a16="http://schemas.microsoft.com/office/drawing/2014/main" id="{C2490EBD-3914-4B78-A069-CC585CE08F60}"/>
               </a:ext>
             </a:extLst>
           </p:cNvPr>
@@ -6090,7 +6377,7 @@
           <a:p>
             <a:r>
               <a:rPr lang="en-US" dirty="0"/>
-              <a:t>High Level Requirements</a:t>
+              <a:t>Why my Project</a:t>
             </a:r>
           </a:p>
         </p:txBody>
@@ -6100,7 +6387,7 @@
           <p:cNvPr id="3" name="Content Placeholder 2">
             <a:extLst>
               <a:ext uri="{FF2B5EF4-FFF2-40B4-BE49-F238E27FC236}">
-                <a16:creationId xmlns:a16="http://schemas.microsoft.com/office/drawing/2014/main" id="{D3CEEC1F-9A76-456A-96A8-30334D2E9C69}"/>
+                <a16:creationId xmlns:a16="http://schemas.microsoft.com/office/drawing/2014/main" id="{3AFA9AA7-6461-4A5A-B83C-BC78550FC0DE}"/>
               </a:ext>
             </a:extLst>
           </p:cNvPr>
@@ -6118,19 +6405,7 @@
           <a:p>
             <a:r>
               <a:rPr lang="en-US" dirty="0"/>
-              <a:t>Complete the voting section as Voter.</a:t>
-            </a:r>
-          </a:p>
-          <a:p>
-            <a:endParaRPr lang="en-US" dirty="0"/>
-          </a:p>
-          <a:p>
-            <a:endParaRPr lang="en-US" dirty="0"/>
-          </a:p>
-          <a:p>
-            <a:r>
-              <a:rPr lang="en-US" dirty="0"/>
-              <a:t>Complete the admin section as Administrator.</a:t>
+              <a:t>I felt like an online voting system is what is needed during pandemic times.</a:t>
             </a:r>
           </a:p>
         </p:txBody>
@@ -6138,7 +6413,7 @@
     </p:spTree>
     <p:extLst>
       <p:ext uri="{BB962C8B-B14F-4D97-AF65-F5344CB8AC3E}">
-        <p14:creationId xmlns:p14="http://schemas.microsoft.com/office/powerpoint/2010/main" val="873230309"/>
+        <p14:creationId xmlns:p14="http://schemas.microsoft.com/office/powerpoint/2010/main" val="712374133"/>
       </p:ext>
     </p:extLst>
   </p:cSld>
@@ -6170,7 +6445,7 @@
           <p:cNvPr id="2" name="Title 1">
             <a:extLst>
               <a:ext uri="{FF2B5EF4-FFF2-40B4-BE49-F238E27FC236}">
-                <a16:creationId xmlns:a16="http://schemas.microsoft.com/office/drawing/2014/main" id="{DE65D2E9-958A-4485-8BE7-0FE856A4E955}"/>
+                <a16:creationId xmlns:a16="http://schemas.microsoft.com/office/drawing/2014/main" id="{EA673022-FA7A-4B2F-AD1D-EA8EA7D3E01E}"/>
               </a:ext>
             </a:extLst>
           </p:cNvPr>
@@ -6181,64 +6456,65 @@
             <p:ph type="title"/>
           </p:nvPr>
         </p:nvSpPr>
-        <p:spPr>
-          <a:xfrm>
-            <a:off x="1295402" y="982132"/>
-            <a:ext cx="9601196" cy="45719"/>
-          </a:xfrm>
-        </p:spPr>
-        <p:txBody>
-          <a:bodyPr>
-            <a:normAutofit fontScale="90000"/>
-          </a:bodyPr>
+        <p:spPr/>
+        <p:txBody>
+          <a:bodyPr/>
           <a:lstStyle/>
           <a:p>
             <a:r>
               <a:rPr lang="en-US" dirty="0"/>
-              <a:t>Wireframes / Mockups</a:t>
-            </a:r>
-          </a:p>
-        </p:txBody>
-      </p:sp>
-      <p:pic>
-        <p:nvPicPr>
-          <p:cNvPr id="15" name="Content Placeholder 14">
+              <a:t>Initial Needs</a:t>
+            </a:r>
+          </a:p>
+        </p:txBody>
+      </p:sp>
+      <p:sp>
+        <p:nvSpPr>
+          <p:cNvPr id="3" name="Content Placeholder 2">
             <a:extLst>
               <a:ext uri="{FF2B5EF4-FFF2-40B4-BE49-F238E27FC236}">
-                <a16:creationId xmlns:a16="http://schemas.microsoft.com/office/drawing/2014/main" id="{0483775A-815B-49D4-99CF-6EB91EB16378}"/>
+                <a16:creationId xmlns:a16="http://schemas.microsoft.com/office/drawing/2014/main" id="{845874FC-E7F4-496B-BE9F-792706518F32}"/>
               </a:ext>
             </a:extLst>
           </p:cNvPr>
-          <p:cNvPicPr>
-            <a:picLocks noGrp="1" noChangeAspect="1"/>
-          </p:cNvPicPr>
+          <p:cNvSpPr>
+            <a:spLocks noGrp="1"/>
+          </p:cNvSpPr>
           <p:nvPr>
             <p:ph idx="1"/>
           </p:nvPr>
-        </p:nvPicPr>
-        <p:blipFill>
-          <a:blip r:embed="rId2">
-            <a:extLst>
-              <a:ext uri="{28A0092B-C50C-407E-A947-70E740481C1C}">
-                <a14:useLocalDpi xmlns:a14="http://schemas.microsoft.com/office/drawing/2010/main" val="0"/>
-              </a:ext>
-            </a:extLst>
-          </a:blip>
-          <a:stretch>
-            <a:fillRect/>
-          </a:stretch>
-        </p:blipFill>
-        <p:spPr>
-          <a:xfrm>
-            <a:off x="1413164" y="1371599"/>
-            <a:ext cx="9483434" cy="4813069"/>
-          </a:xfrm>
-        </p:spPr>
-      </p:pic>
+        </p:nvSpPr>
+        <p:spPr/>
+        <p:txBody>
+          <a:bodyPr/>
+          <a:lstStyle/>
+          <a:p>
+            <a:r>
+              <a:rPr lang="en-US" dirty="0"/>
+              <a:t>Create an interface that will allow you to view registration status.</a:t>
+            </a:r>
+          </a:p>
+          <a:p>
+            <a:r>
+              <a:rPr lang="en-US" dirty="0"/>
+              <a:t>Create a site that will allow you to register to vote.</a:t>
+            </a:r>
+          </a:p>
+          <a:p>
+            <a:r>
+              <a:rPr lang="en-US" dirty="0"/>
+              <a:t>Create a site that will allow you to check the status.</a:t>
+            </a:r>
+          </a:p>
+          <a:p>
+            <a:endParaRPr lang="en-US" dirty="0"/>
+          </a:p>
+        </p:txBody>
+      </p:sp>
     </p:spTree>
     <p:extLst>
       <p:ext uri="{BB962C8B-B14F-4D97-AF65-F5344CB8AC3E}">
-        <p14:creationId xmlns:p14="http://schemas.microsoft.com/office/powerpoint/2010/main" val="636182364"/>
+        <p14:creationId xmlns:p14="http://schemas.microsoft.com/office/powerpoint/2010/main" val="3512059146"/>
       </p:ext>
     </p:extLst>
   </p:cSld>
@@ -6270,7 +6546,7 @@
           <p:cNvPr id="2" name="Title 1">
             <a:extLst>
               <a:ext uri="{FF2B5EF4-FFF2-40B4-BE49-F238E27FC236}">
-                <a16:creationId xmlns:a16="http://schemas.microsoft.com/office/drawing/2014/main" id="{DE65D2E9-958A-4485-8BE7-0FE856A4E955}"/>
+                <a16:creationId xmlns:a16="http://schemas.microsoft.com/office/drawing/2014/main" id="{029E8995-A258-4FC6-9B6B-DB0B0766710E}"/>
               </a:ext>
             </a:extLst>
           </p:cNvPr>
@@ -6281,64 +6557,74 @@
             <p:ph type="title"/>
           </p:nvPr>
         </p:nvSpPr>
-        <p:spPr>
-          <a:xfrm>
-            <a:off x="1295402" y="982132"/>
-            <a:ext cx="9601196" cy="45719"/>
-          </a:xfrm>
-        </p:spPr>
-        <p:txBody>
-          <a:bodyPr>
-            <a:normAutofit fontScale="90000"/>
-          </a:bodyPr>
+        <p:spPr/>
+        <p:txBody>
+          <a:bodyPr/>
           <a:lstStyle/>
           <a:p>
             <a:r>
               <a:rPr lang="en-US" dirty="0"/>
-              <a:t>Wireframes / Mockups</a:t>
-            </a:r>
-          </a:p>
-        </p:txBody>
-      </p:sp>
-      <p:pic>
-        <p:nvPicPr>
-          <p:cNvPr id="4" name="Content Placeholder 3">
+              <a:t>High Level Requirements</a:t>
+            </a:r>
+          </a:p>
+        </p:txBody>
+      </p:sp>
+      <p:sp>
+        <p:nvSpPr>
+          <p:cNvPr id="3" name="Content Placeholder 2">
             <a:extLst>
               <a:ext uri="{FF2B5EF4-FFF2-40B4-BE49-F238E27FC236}">
-                <a16:creationId xmlns:a16="http://schemas.microsoft.com/office/drawing/2014/main" id="{DE27089D-BD82-493E-AB1F-F00959112713}"/>
+                <a16:creationId xmlns:a16="http://schemas.microsoft.com/office/drawing/2014/main" id="{D3CEEC1F-9A76-456A-96A8-30334D2E9C69}"/>
               </a:ext>
             </a:extLst>
           </p:cNvPr>
-          <p:cNvPicPr>
-            <a:picLocks noGrp="1" noChangeAspect="1"/>
-          </p:cNvPicPr>
+          <p:cNvSpPr>
+            <a:spLocks noGrp="1"/>
+          </p:cNvSpPr>
           <p:nvPr>
             <p:ph idx="1"/>
           </p:nvPr>
-        </p:nvPicPr>
-        <p:blipFill>
-          <a:blip r:embed="rId2">
-            <a:extLst>
-              <a:ext uri="{28A0092B-C50C-407E-A947-70E740481C1C}">
-                <a14:useLocalDpi xmlns:a14="http://schemas.microsoft.com/office/drawing/2010/main" val="0"/>
-              </a:ext>
-            </a:extLst>
-          </a:blip>
-          <a:stretch>
-            <a:fillRect/>
-          </a:stretch>
-        </p:blipFill>
-        <p:spPr>
-          <a:xfrm>
-            <a:off x="1295401" y="1371599"/>
-            <a:ext cx="9876903" cy="4601095"/>
-          </a:xfrm>
-        </p:spPr>
-      </p:pic>
+        </p:nvSpPr>
+        <p:spPr/>
+        <p:txBody>
+          <a:bodyPr/>
+          <a:lstStyle/>
+          <a:p>
+            <a:r>
+              <a:rPr lang="en-US" dirty="0"/>
+              <a:t>Complete the voting section as Voter.</a:t>
+            </a:r>
+          </a:p>
+          <a:p>
+            <a:r>
+              <a:rPr lang="en-US" dirty="0"/>
+              <a:t>Create a ranked choice election.</a:t>
+            </a:r>
+          </a:p>
+          <a:p>
+            <a:r>
+              <a:rPr lang="en-US" dirty="0"/>
+              <a:t>Input votes.</a:t>
+            </a:r>
+          </a:p>
+          <a:p>
+            <a:r>
+              <a:rPr lang="en-US" dirty="0"/>
+              <a:t>Display results in percentages.</a:t>
+            </a:r>
+          </a:p>
+          <a:p>
+            <a:r>
+              <a:rPr lang="en-US" dirty="0"/>
+              <a:t>Complete the admin section as Administrator.</a:t>
+            </a:r>
+          </a:p>
+        </p:txBody>
+      </p:sp>
     </p:spTree>
     <p:extLst>
       <p:ext uri="{BB962C8B-B14F-4D97-AF65-F5344CB8AC3E}">
-        <p14:creationId xmlns:p14="http://schemas.microsoft.com/office/powerpoint/2010/main" val="3233427574"/>
+        <p14:creationId xmlns:p14="http://schemas.microsoft.com/office/powerpoint/2010/main" val="873230309"/>
       </p:ext>
     </p:extLst>
   </p:cSld>
@@ -6402,10 +6688,10 @@
       </p:sp>
       <p:pic>
         <p:nvPicPr>
-          <p:cNvPr id="4" name="Content Placeholder 3">
+          <p:cNvPr id="15" name="Content Placeholder 14">
             <a:extLst>
               <a:ext uri="{FF2B5EF4-FFF2-40B4-BE49-F238E27FC236}">
-                <a16:creationId xmlns:a16="http://schemas.microsoft.com/office/drawing/2014/main" id="{6DEE9239-F982-4ADC-8186-B3C6E0D5107C}"/>
+                <a16:creationId xmlns:a16="http://schemas.microsoft.com/office/drawing/2014/main" id="{0483775A-815B-49D4-99CF-6EB91EB16378}"/>
               </a:ext>
             </a:extLst>
           </p:cNvPr>
@@ -6431,14 +6717,14 @@
         <p:spPr>
           <a:xfrm>
             <a:off x="1413164" y="1371599"/>
-            <a:ext cx="9483434" cy="4584469"/>
+            <a:ext cx="9483434" cy="4813069"/>
           </a:xfrm>
         </p:spPr>
       </p:pic>
     </p:spTree>
     <p:extLst>
       <p:ext uri="{BB962C8B-B14F-4D97-AF65-F5344CB8AC3E}">
-        <p14:creationId xmlns:p14="http://schemas.microsoft.com/office/powerpoint/2010/main" val="2401048722"/>
+        <p14:creationId xmlns:p14="http://schemas.microsoft.com/office/powerpoint/2010/main" val="636182364"/>
       </p:ext>
     </p:extLst>
   </p:cSld>
@@ -6505,7 +6791,7 @@
           <p:cNvPr id="4" name="Content Placeholder 3">
             <a:extLst>
               <a:ext uri="{FF2B5EF4-FFF2-40B4-BE49-F238E27FC236}">
-                <a16:creationId xmlns:a16="http://schemas.microsoft.com/office/drawing/2014/main" id="{5EC8F270-A681-4E4B-BF00-18504ED32469}"/>
+                <a16:creationId xmlns:a16="http://schemas.microsoft.com/office/drawing/2014/main" id="{DE27089D-BD82-493E-AB1F-F00959112713}"/>
               </a:ext>
             </a:extLst>
           </p:cNvPr>
@@ -6530,15 +6816,15 @@
         </p:blipFill>
         <p:spPr>
           <a:xfrm>
-            <a:off x="1163782" y="1371599"/>
-            <a:ext cx="9858894" cy="4883727"/>
+            <a:off x="1295401" y="1371599"/>
+            <a:ext cx="9876903" cy="4601095"/>
           </a:xfrm>
         </p:spPr>
       </p:pic>
     </p:spTree>
     <p:extLst>
       <p:ext uri="{BB962C8B-B14F-4D97-AF65-F5344CB8AC3E}">
-        <p14:creationId xmlns:p14="http://schemas.microsoft.com/office/powerpoint/2010/main" val="3597286966"/>
+        <p14:creationId xmlns:p14="http://schemas.microsoft.com/office/powerpoint/2010/main" val="3233427574"/>
       </p:ext>
     </p:extLst>
   </p:cSld>
@@ -6570,7 +6856,7 @@
           <p:cNvPr id="2" name="Title 1">
             <a:extLst>
               <a:ext uri="{FF2B5EF4-FFF2-40B4-BE49-F238E27FC236}">
-                <a16:creationId xmlns:a16="http://schemas.microsoft.com/office/drawing/2014/main" id="{7EF12B0B-DD3D-4006-A1BA-E5A908A05CB6}"/>
+                <a16:creationId xmlns:a16="http://schemas.microsoft.com/office/drawing/2014/main" id="{DE65D2E9-958A-4485-8BE7-0FE856A4E955}"/>
               </a:ext>
             </a:extLst>
           </p:cNvPr>
@@ -6595,17 +6881,17 @@
           <a:p>
             <a:r>
               <a:rPr lang="en-US" dirty="0"/>
-              <a:t>ER Diagram</a:t>
+              <a:t>Wireframes / Mockups</a:t>
             </a:r>
           </a:p>
         </p:txBody>
       </p:sp>
       <p:pic>
         <p:nvPicPr>
-          <p:cNvPr id="5" name="Content Placeholder 4">
+          <p:cNvPr id="4" name="Content Placeholder 3">
             <a:extLst>
               <a:ext uri="{FF2B5EF4-FFF2-40B4-BE49-F238E27FC236}">
-                <a16:creationId xmlns:a16="http://schemas.microsoft.com/office/drawing/2014/main" id="{4C0BA1DD-BBAD-4642-8164-99B87BA28FC6}"/>
+                <a16:creationId xmlns:a16="http://schemas.microsoft.com/office/drawing/2014/main" id="{6DEE9239-F982-4ADC-8186-B3C6E0D5107C}"/>
               </a:ext>
             </a:extLst>
           </p:cNvPr>
@@ -6630,15 +6916,15 @@
         </p:blipFill>
         <p:spPr>
           <a:xfrm>
-            <a:off x="1504608" y="1242753"/>
-            <a:ext cx="9601196" cy="4633116"/>
+            <a:off x="1413164" y="1371599"/>
+            <a:ext cx="9483434" cy="4584469"/>
           </a:xfrm>
         </p:spPr>
       </p:pic>
     </p:spTree>
     <p:extLst>
       <p:ext uri="{BB962C8B-B14F-4D97-AF65-F5344CB8AC3E}">
-        <p14:creationId xmlns:p14="http://schemas.microsoft.com/office/powerpoint/2010/main" val="208249591"/>
+        <p14:creationId xmlns:p14="http://schemas.microsoft.com/office/powerpoint/2010/main" val="2401048722"/>
       </p:ext>
     </p:extLst>
   </p:cSld>
@@ -6670,7 +6956,7 @@
           <p:cNvPr id="2" name="Title 1">
             <a:extLst>
               <a:ext uri="{FF2B5EF4-FFF2-40B4-BE49-F238E27FC236}">
-                <a16:creationId xmlns:a16="http://schemas.microsoft.com/office/drawing/2014/main" id="{EA673022-FA7A-4B2F-AD1D-EA8EA7D3E01E}"/>
+                <a16:creationId xmlns:a16="http://schemas.microsoft.com/office/drawing/2014/main" id="{DE65D2E9-958A-4485-8BE7-0FE856A4E955}"/>
               </a:ext>
             </a:extLst>
           </p:cNvPr>
@@ -6683,59 +6969,62 @@
         </p:nvSpPr>
         <p:spPr>
           <a:xfrm>
-            <a:off x="1046020" y="982132"/>
-            <a:ext cx="9601196" cy="1303867"/>
+            <a:off x="1295402" y="982132"/>
+            <a:ext cx="9601196" cy="45719"/>
           </a:xfrm>
         </p:spPr>
         <p:txBody>
-          <a:bodyPr/>
+          <a:bodyPr>
+            <a:normAutofit fontScale="90000"/>
+          </a:bodyPr>
           <a:lstStyle/>
           <a:p>
             <a:r>
               <a:rPr lang="en-US" dirty="0"/>
-              <a:t>Demo of ASP.net</a:t>
-            </a:r>
-          </a:p>
-        </p:txBody>
-      </p:sp>
-      <p:sp>
-        <p:nvSpPr>
-          <p:cNvPr id="3" name="Content Placeholder 2">
+              <a:t>Wireframes / Mockups</a:t>
+            </a:r>
+          </a:p>
+        </p:txBody>
+      </p:sp>
+      <p:pic>
+        <p:nvPicPr>
+          <p:cNvPr id="4" name="Content Placeholder 3">
             <a:extLst>
               <a:ext uri="{FF2B5EF4-FFF2-40B4-BE49-F238E27FC236}">
-                <a16:creationId xmlns:a16="http://schemas.microsoft.com/office/drawing/2014/main" id="{845874FC-E7F4-496B-BE9F-792706518F32}"/>
+                <a16:creationId xmlns:a16="http://schemas.microsoft.com/office/drawing/2014/main" id="{5EC8F270-A681-4E4B-BF00-18504ED32469}"/>
               </a:ext>
             </a:extLst>
           </p:cNvPr>
-          <p:cNvSpPr>
-            <a:spLocks noGrp="1"/>
-          </p:cNvSpPr>
+          <p:cNvPicPr>
+            <a:picLocks noGrp="1" noChangeAspect="1"/>
+          </p:cNvPicPr>
           <p:nvPr>
             <p:ph idx="1"/>
           </p:nvPr>
-        </p:nvSpPr>
-        <p:spPr/>
-        <p:txBody>
-          <a:bodyPr/>
-          <a:lstStyle/>
-          <a:p>
-            <a:r>
-              <a:rPr lang="en-US" dirty="0">
-                <a:hlinkClick r:id="rId2"/>
-              </a:rPr>
-              <a:t>https://localhost:44350/</a:t>
-            </a:r>
-            <a:r>
-              <a:rPr lang="en-US" dirty="0"/>
-              <a:t> </a:t>
-            </a:r>
-          </a:p>
-        </p:txBody>
-      </p:sp>
+        </p:nvPicPr>
+        <p:blipFill>
+          <a:blip r:embed="rId2">
+            <a:extLst>
+              <a:ext uri="{28A0092B-C50C-407E-A947-70E740481C1C}">
+                <a14:useLocalDpi xmlns:a14="http://schemas.microsoft.com/office/drawing/2010/main" val="0"/>
+              </a:ext>
+            </a:extLst>
+          </a:blip>
+          <a:stretch>
+            <a:fillRect/>
+          </a:stretch>
+        </p:blipFill>
+        <p:spPr>
+          <a:xfrm>
+            <a:off x="1163782" y="1371599"/>
+            <a:ext cx="9858894" cy="4883727"/>
+          </a:xfrm>
+        </p:spPr>
+      </p:pic>
     </p:spTree>
     <p:extLst>
       <p:ext uri="{BB962C8B-B14F-4D97-AF65-F5344CB8AC3E}">
-        <p14:creationId xmlns:p14="http://schemas.microsoft.com/office/powerpoint/2010/main" val="993281779"/>
+        <p14:creationId xmlns:p14="http://schemas.microsoft.com/office/powerpoint/2010/main" val="3597286966"/>
       </p:ext>
     </p:extLst>
   </p:cSld>

--- a/VoterRank.pptx
+++ b/VoterRank.pptx
@@ -454,7 +454,7 @@
           <a:p>
             <a:fld id="{ABD9B190-95C9-41B4-88C3-F2CD52791C4A}" type="datetimeFigureOut">
               <a:rPr lang="en-US" smtClean="0"/>
-              <a:t>11/4/2020</a:t>
+              <a:t>11/5/2020</a:t>
             </a:fld>
             <a:endParaRPr lang="en-US"/>
           </a:p>
@@ -778,7 +778,7 @@
           <a:p>
             <a:fld id="{ABD9B190-95C9-41B4-88C3-F2CD52791C4A}" type="datetimeFigureOut">
               <a:rPr lang="en-US" smtClean="0"/>
-              <a:t>11/4/2020</a:t>
+              <a:t>11/5/2020</a:t>
             </a:fld>
             <a:endParaRPr lang="en-US"/>
           </a:p>
@@ -1026,7 +1026,7 @@
           <a:p>
             <a:fld id="{ABD9B190-95C9-41B4-88C3-F2CD52791C4A}" type="datetimeFigureOut">
               <a:rPr lang="en-US" smtClean="0"/>
-              <a:t>11/4/2020</a:t>
+              <a:t>11/5/2020</a:t>
             </a:fld>
             <a:endParaRPr lang="en-US"/>
           </a:p>
@@ -1365,7 +1365,7 @@
           <a:p>
             <a:fld id="{ABD9B190-95C9-41B4-88C3-F2CD52791C4A}" type="datetimeFigureOut">
               <a:rPr lang="en-US" smtClean="0"/>
-              <a:t>11/4/2020</a:t>
+              <a:t>11/5/2020</a:t>
             </a:fld>
             <a:endParaRPr lang="en-US"/>
           </a:p>
@@ -1712,7 +1712,7 @@
           <a:p>
             <a:fld id="{ABD9B190-95C9-41B4-88C3-F2CD52791C4A}" type="datetimeFigureOut">
               <a:rPr lang="en-US" smtClean="0"/>
-              <a:t>11/4/2020</a:t>
+              <a:t>11/5/2020</a:t>
             </a:fld>
             <a:endParaRPr lang="en-US"/>
           </a:p>
@@ -2086,7 +2086,7 @@
           <a:p>
             <a:fld id="{ABD9B190-95C9-41B4-88C3-F2CD52791C4A}" type="datetimeFigureOut">
               <a:rPr lang="en-US" smtClean="0"/>
-              <a:t>11/4/2020</a:t>
+              <a:t>11/5/2020</a:t>
             </a:fld>
             <a:endParaRPr lang="en-US"/>
           </a:p>
@@ -2556,7 +2556,7 @@
           <a:p>
             <a:fld id="{ABD9B190-95C9-41B4-88C3-F2CD52791C4A}" type="datetimeFigureOut">
               <a:rPr lang="en-US" smtClean="0"/>
-              <a:t>11/4/2020</a:t>
+              <a:t>11/5/2020</a:t>
             </a:fld>
             <a:endParaRPr lang="en-US"/>
           </a:p>
@@ -2761,7 +2761,7 @@
           <a:p>
             <a:fld id="{ABD9B190-95C9-41B4-88C3-F2CD52791C4A}" type="datetimeFigureOut">
               <a:rPr lang="en-US" smtClean="0"/>
-              <a:t>11/4/2020</a:t>
+              <a:t>11/5/2020</a:t>
             </a:fld>
             <a:endParaRPr lang="en-US"/>
           </a:p>
@@ -2972,7 +2972,7 @@
           <a:p>
             <a:fld id="{ABD9B190-95C9-41B4-88C3-F2CD52791C4A}" type="datetimeFigureOut">
               <a:rPr lang="en-US" smtClean="0"/>
-              <a:t>11/4/2020</a:t>
+              <a:t>11/5/2020</a:t>
             </a:fld>
             <a:endParaRPr lang="en-US"/>
           </a:p>
@@ -3204,7 +3204,7 @@
           <a:p>
             <a:fld id="{ABD9B190-95C9-41B4-88C3-F2CD52791C4A}" type="datetimeFigureOut">
               <a:rPr lang="en-US" smtClean="0"/>
-              <a:t>11/4/2020</a:t>
+              <a:t>11/5/2020</a:t>
             </a:fld>
             <a:endParaRPr lang="en-US"/>
           </a:p>
@@ -3452,7 +3452,7 @@
           <a:p>
             <a:fld id="{ABD9B190-95C9-41B4-88C3-F2CD52791C4A}" type="datetimeFigureOut">
               <a:rPr lang="en-US" smtClean="0"/>
-              <a:t>11/4/2020</a:t>
+              <a:t>11/5/2020</a:t>
             </a:fld>
             <a:endParaRPr lang="en-US"/>
           </a:p>
@@ -3750,7 +3750,7 @@
           <a:p>
             <a:fld id="{ABD9B190-95C9-41B4-88C3-F2CD52791C4A}" type="datetimeFigureOut">
               <a:rPr lang="en-US" smtClean="0"/>
-              <a:t>11/4/2020</a:t>
+              <a:t>11/5/2020</a:t>
             </a:fld>
             <a:endParaRPr lang="en-US"/>
           </a:p>
@@ -4144,7 +4144,7 @@
           <a:p>
             <a:fld id="{ABD9B190-95C9-41B4-88C3-F2CD52791C4A}" type="datetimeFigureOut">
               <a:rPr lang="en-US" smtClean="0"/>
-              <a:t>11/4/2020</a:t>
+              <a:t>11/5/2020</a:t>
             </a:fld>
             <a:endParaRPr lang="en-US"/>
           </a:p>
@@ -4293,7 +4293,7 @@
           <a:p>
             <a:fld id="{ABD9B190-95C9-41B4-88C3-F2CD52791C4A}" type="datetimeFigureOut">
               <a:rPr lang="en-US" smtClean="0"/>
-              <a:t>11/4/2020</a:t>
+              <a:t>11/5/2020</a:t>
             </a:fld>
             <a:endParaRPr lang="en-US"/>
           </a:p>
@@ -4419,7 +4419,7 @@
           <a:p>
             <a:fld id="{ABD9B190-95C9-41B4-88C3-F2CD52791C4A}" type="datetimeFigureOut">
               <a:rPr lang="en-US" smtClean="0"/>
-              <a:t>11/4/2020</a:t>
+              <a:t>11/5/2020</a:t>
             </a:fld>
             <a:endParaRPr lang="en-US"/>
           </a:p>
@@ -4674,7 +4674,7 @@
           <a:p>
             <a:fld id="{ABD9B190-95C9-41B4-88C3-F2CD52791C4A}" type="datetimeFigureOut">
               <a:rPr lang="en-US" smtClean="0"/>
-              <a:t>11/4/2020</a:t>
+              <a:t>11/5/2020</a:t>
             </a:fld>
             <a:endParaRPr lang="en-US"/>
           </a:p>
@@ -4989,7 +4989,7 @@
           <a:p>
             <a:fld id="{ABD9B190-95C9-41B4-88C3-F2CD52791C4A}" type="datetimeFigureOut">
               <a:rPr lang="en-US" smtClean="0"/>
-              <a:t>11/4/2020</a:t>
+              <a:t>11/5/2020</a:t>
             </a:fld>
             <a:endParaRPr lang="en-US"/>
           </a:p>
@@ -5340,7 +5340,7 @@
           <a:p>
             <a:fld id="{ABD9B190-95C9-41B4-88C3-F2CD52791C4A}" type="datetimeFigureOut">
               <a:rPr lang="en-US" smtClean="0"/>
-              <a:t>11/4/2020</a:t>
+              <a:t>11/5/2020</a:t>
             </a:fld>
             <a:endParaRPr lang="en-US"/>
           </a:p>
@@ -6507,6 +6507,18 @@
             </a:r>
           </a:p>
           <a:p>
+            <a:r>
+              <a:rPr lang="en-US" dirty="0"/>
+              <a:t>Create a great shell/interface</a:t>
+            </a:r>
+          </a:p>
+          <a:p>
+            <a:r>
+              <a:rPr lang="en-US" dirty="0"/>
+              <a:t>Login/Register available</a:t>
+            </a:r>
+          </a:p>
+          <a:p>
             <a:endParaRPr lang="en-US" dirty="0"/>
           </a:p>
         </p:txBody>
